--- a/templates/AIWeeklyReport_format.pptx
+++ b/templates/AIWeeklyReport_format.pptx
@@ -3526,8 +3526,8 @@
         </p:nvSpPr>
         <p:spPr>
           <a:xfrm>
-            <a:off x="100674" y="6883799"/>
-            <a:ext cx="6668280" cy="1434063"/>
+            <a:off x="100965" y="7746365"/>
+            <a:ext cx="6668135" cy="2030730"/>
           </a:xfrm>
           <a:prstGeom prst="roundRect">
             <a:avLst>
@@ -3592,7 +3592,7 @@
         </p:nvSpPr>
         <p:spPr>
           <a:xfrm>
-            <a:off x="100674" y="6634665"/>
+            <a:off x="100674" y="7496995"/>
             <a:ext cx="1867451" cy="243157"/>
           </a:xfrm>
           <a:prstGeom prst="round2SameRect">
@@ -3680,142 +3680,6 @@
       </p:sp>
       <p:sp>
         <p:nvSpPr>
-          <p:cNvPr id="12" name="Google Shape;201;g375bbbb1663_0_21"/>
-          <p:cNvSpPr/>
-          <p:nvPr/>
-        </p:nvSpPr>
-        <p:spPr>
-          <a:xfrm>
-            <a:off x="100965" y="8661400"/>
-            <a:ext cx="6668135" cy="1138555"/>
-          </a:xfrm>
-          <a:prstGeom prst="roundRect">
-            <a:avLst>
-              <a:gd name="adj" fmla="val 0"/>
-            </a:avLst>
-          </a:prstGeom>
-          <a:solidFill>
-            <a:schemeClr val="bg1"/>
-          </a:solidFill>
-          <a:ln w="9525" cap="flat" cmpd="sng">
-            <a:solidFill>
-              <a:srgbClr val="EFEFEF"/>
-            </a:solidFill>
-            <a:prstDash val="solid"/>
-            <a:miter lim="800000"/>
-            <a:headEnd type="none" w="sm" len="sm"/>
-            <a:tailEnd type="none" w="sm" len="sm"/>
-          </a:ln>
-        </p:spPr>
-        <p:txBody>
-          <a:bodyPr spcFirstLastPara="1" wrap="square" lIns="91425" tIns="45700" rIns="91425" bIns="45700" anchor="ctr" anchorCtr="0">
-            <a:noAutofit/>
-          </a:bodyPr>
-          <a:lstStyle/>
-          <a:p>
-            <a:pPr marL="0" marR="0" lvl="0" indent="0" algn="ctr" rtl="0">
-              <a:lnSpc>
-                <a:spcPct val="120000"/>
-              </a:lnSpc>
-              <a:spcBef>
-                <a:spcPts val="0"/>
-              </a:spcBef>
-              <a:spcAft>
-                <a:spcPts val="0"/>
-              </a:spcAft>
-              <a:buClr>
-                <a:srgbClr val="000000"/>
-              </a:buClr>
-              <a:buSzPts val="1800"/>
-              <a:buFont typeface="Arial" panose="020B0604020202020204"/>
-              <a:buNone/>
-            </a:pPr>
-            <a:endParaRPr sz="1800" b="0" i="0" u="none" strike="noStrike" cap="none" dirty="0">
-              <a:solidFill>
-                <a:schemeClr val="bg2">
-                  <a:lumMod val="90000"/>
-                </a:schemeClr>
-              </a:solidFill>
-              <a:latin typeface="Arial" panose="020B0604020202020204"/>
-              <a:ea typeface="Arial" panose="020B0604020202020204"/>
-              <a:cs typeface="Arial" panose="020B0604020202020204"/>
-              <a:sym typeface="Arial" panose="020B0604020202020204"/>
-            </a:endParaRPr>
-          </a:p>
-        </p:txBody>
-      </p:sp>
-      <p:sp>
-        <p:nvSpPr>
-          <p:cNvPr id="13" name="Google Shape;202;g375bbbb1663_0_21"/>
-          <p:cNvSpPr/>
-          <p:nvPr/>
-        </p:nvSpPr>
-        <p:spPr>
-          <a:xfrm>
-            <a:off x="100674" y="8412157"/>
-            <a:ext cx="1867451" cy="243157"/>
-          </a:xfrm>
-          <a:prstGeom prst="round2SameRect">
-            <a:avLst>
-              <a:gd name="adj1" fmla="val 17990"/>
-              <a:gd name="adj2" fmla="val 0"/>
-            </a:avLst>
-          </a:prstGeom>
-          <a:solidFill>
-            <a:srgbClr val="EFEFEF"/>
-          </a:solidFill>
-          <a:ln>
-            <a:solidFill>
-              <a:srgbClr val="EFEFEF"/>
-            </a:solidFill>
-          </a:ln>
-        </p:spPr>
-        <p:txBody>
-          <a:bodyPr spcFirstLastPara="1" wrap="square" lIns="91425" tIns="0" rIns="91425" bIns="0" anchor="ctr" anchorCtr="0">
-            <a:noAutofit/>
-          </a:bodyPr>
-          <a:lstStyle/>
-          <a:p>
-            <a:pPr marL="0" marR="0" lvl="0" indent="0" algn="ctr" rtl="0">
-              <a:spcBef>
-                <a:spcPts val="0"/>
-              </a:spcBef>
-              <a:spcAft>
-                <a:spcPts val="0"/>
-              </a:spcAft>
-              <a:buClr>
-                <a:srgbClr val="000000"/>
-              </a:buClr>
-              <a:buSzPts val="1400"/>
-              <a:buFont typeface="Arial" panose="020B0604020202020204"/>
-              <a:buNone/>
-            </a:pPr>
-            <a:r>
-              <a:rPr lang="en-US" sz="1400" i="0" u="none" strike="noStrike" cap="none" dirty="0">
-                <a:solidFill>
-                  <a:srgbClr val="ED7100"/>
-                </a:solidFill>
-                <a:latin typeface="한화 R" panose="02020503020101020101" pitchFamily="18" charset="-127"/>
-                <a:ea typeface="한화 R" panose="02020503020101020101" pitchFamily="18" charset="-127"/>
-                <a:cs typeface="Times New Roman" panose="02020603050405020304"/>
-                <a:sym typeface="Times New Roman" panose="02020603050405020304"/>
-              </a:rPr>
-              <a:t>HAC</a:t>
-            </a:r>
-            <a:endParaRPr sz="1600" i="0" u="none" strike="noStrike" cap="none" dirty="0">
-              <a:solidFill>
-                <a:srgbClr val="ED7100"/>
-              </a:solidFill>
-              <a:latin typeface="한화 R" panose="02020503020101020101" pitchFamily="18" charset="-127"/>
-              <a:ea typeface="한화 R" panose="02020503020101020101" pitchFamily="18" charset="-127"/>
-              <a:cs typeface="Times New Roman" panose="02020603050405020304"/>
-              <a:sym typeface="Times New Roman" panose="02020603050405020304"/>
-            </a:endParaRPr>
-          </a:p>
-        </p:txBody>
-      </p:sp>
-      <p:sp>
-        <p:nvSpPr>
           <p:cNvPr id="3" name="Google Shape;201;g375bbbb1663_0_21"/>
           <p:cNvSpPr/>
           <p:nvPr/>
@@ -3823,7 +3687,7 @@
         <p:spPr>
           <a:xfrm>
             <a:off x="94615" y="1311910"/>
-            <a:ext cx="6668135" cy="5211445"/>
+            <a:ext cx="6668135" cy="6069965"/>
           </a:xfrm>
           <a:prstGeom prst="roundRect">
             <a:avLst>
@@ -4048,7 +3912,7 @@
         </p:nvSpPr>
         <p:spPr>
           <a:xfrm>
-            <a:off x="152400" y="6893904"/>
+            <a:off x="152400" y="7756234"/>
             <a:ext cx="6668280" cy="312420"/>
           </a:xfrm>
           <a:prstGeom prst="rect">
@@ -4096,66 +3960,6 @@
               <a:t>AI LAB</a:t>
             </a:r>
             <a:endParaRPr lang="en-US" altLang="ko-KR" sz="1200" u="sng" dirty="0">
-              <a:solidFill>
-                <a:prstClr val="black"/>
-              </a:solidFill>
-              <a:latin typeface="한화고딕 B" panose="02020503020101020101" pitchFamily="18" charset="-127"/>
-              <a:ea typeface="한화고딕 B" panose="02020503020101020101" pitchFamily="18" charset="-127"/>
-              <a:sym typeface="Wingdings" panose="05000000000000000000" pitchFamily="2" charset="2"/>
-            </a:endParaRPr>
-          </a:p>
-        </p:txBody>
-      </p:sp>
-      <p:sp>
-        <p:nvSpPr>
-          <p:cNvPr id="15" name="TextBox 2"/>
-          <p:cNvSpPr txBox="1"/>
-          <p:nvPr/>
-        </p:nvSpPr>
-        <p:spPr>
-          <a:xfrm>
-            <a:off x="152400" y="8665554"/>
-            <a:ext cx="6668280" cy="312420"/>
-          </a:xfrm>
-          <a:prstGeom prst="rect">
-            <a:avLst/>
-          </a:prstGeom>
-          <a:noFill/>
-        </p:spPr>
-        <p:txBody>
-          <a:bodyPr wrap="square" rtlCol="0">
-            <a:spAutoFit/>
-          </a:bodyPr>
-          <a:lstStyle/>
-          <a:p>
-            <a:pPr marL="0" marR="0" lvl="0" indent="0" algn="l" defTabSz="457200" rtl="0" eaLnBrk="1" fontAlgn="auto" latinLnBrk="0" hangingPunct="1">
-              <a:lnSpc>
-                <a:spcPct val="120000"/>
-              </a:lnSpc>
-              <a:spcBef>
-                <a:spcPts val="0"/>
-              </a:spcBef>
-              <a:spcAft>
-                <a:spcPts val="0"/>
-              </a:spcAft>
-              <a:buClrTx/>
-              <a:buSzTx/>
-              <a:buFontTx/>
-              <a:buNone/>
-              <a:defRPr/>
-            </a:pPr>
-            <a:r>
-              <a:rPr lang="en-US" altLang="ko-KR" sz="1200" dirty="0">
-                <a:solidFill>
-                  <a:prstClr val="black"/>
-                </a:solidFill>
-                <a:latin typeface="한화고딕 B" panose="02020503020101020101" pitchFamily="18" charset="-127"/>
-                <a:ea typeface="한화고딕 B" panose="02020503020101020101" pitchFamily="18" charset="-127"/>
-                <a:sym typeface="Wingdings" panose="05000000000000000000" pitchFamily="2" charset="2"/>
-              </a:rPr>
-              <a:t>HAC</a:t>
-            </a:r>
-            <a:endParaRPr lang="en-US" altLang="ko-KR" sz="1200" dirty="0">
               <a:solidFill>
                 <a:prstClr val="black"/>
               </a:solidFill>
